--- a/Entrega01.pptx
+++ b/Entrega01.pptx
@@ -121,6 +121,10 @@
     </p:ext>
   </p:extLst>
 </p:presentation>
+</file>
+
+<file path=ppt/revisionInfo.xml><?xml version="1.0" encoding="utf-8"?>
+<p1510:revInfo xmlns:a="http://schemas.openxmlformats.org/drawingml/2006/main" xmlns:r="http://schemas.openxmlformats.org/officeDocument/2006/relationships" xmlns:p1510="http://schemas.microsoft.com/office/powerpoint/2015/10/main"/>
 </file>
 
 <file path=ppt/diagrams/colors1.xml><?xml version="1.0" encoding="utf-8"?>
@@ -4687,7 +4691,7 @@
           <a:p>
             <a:fld id="{DDD670B3-E2EA-4637-9A35-A3F69C814A4D}" type="datetimeFigureOut">
               <a:rPr lang="pt-BR" smtClean="0"/>
-              <a:t>15/08/2017</a:t>
+              <a:t>17/08/2017</a:t>
             </a:fld>
             <a:endParaRPr lang="pt-BR"/>
           </a:p>
@@ -4729,7 +4733,7 @@
           <a:p>
             <a:fld id="{1589F13C-868A-4860-AF0B-B8654897AF81}" type="slidenum">
               <a:rPr lang="pt-BR" smtClean="0"/>
-              <a:t>‹nº›</a:t>
+              <a:t>‹#›</a:t>
             </a:fld>
             <a:endParaRPr lang="pt-BR"/>
           </a:p>
@@ -4901,7 +4905,7 @@
           <a:p>
             <a:fld id="{DDD670B3-E2EA-4637-9A35-A3F69C814A4D}" type="datetimeFigureOut">
               <a:rPr lang="pt-BR" smtClean="0"/>
-              <a:t>15/08/2017</a:t>
+              <a:t>17/08/2017</a:t>
             </a:fld>
             <a:endParaRPr lang="pt-BR"/>
           </a:p>
@@ -4943,7 +4947,7 @@
           <a:p>
             <a:fld id="{1589F13C-868A-4860-AF0B-B8654897AF81}" type="slidenum">
               <a:rPr lang="pt-BR" smtClean="0"/>
-              <a:t>‹nº›</a:t>
+              <a:t>‹#›</a:t>
             </a:fld>
             <a:endParaRPr lang="pt-BR"/>
           </a:p>
@@ -5125,7 +5129,7 @@
           <a:p>
             <a:fld id="{DDD670B3-E2EA-4637-9A35-A3F69C814A4D}" type="datetimeFigureOut">
               <a:rPr lang="pt-BR" smtClean="0"/>
-              <a:t>15/08/2017</a:t>
+              <a:t>17/08/2017</a:t>
             </a:fld>
             <a:endParaRPr lang="pt-BR"/>
           </a:p>
@@ -5167,7 +5171,7 @@
           <a:p>
             <a:fld id="{1589F13C-868A-4860-AF0B-B8654897AF81}" type="slidenum">
               <a:rPr lang="pt-BR" smtClean="0"/>
-              <a:t>‹nº›</a:t>
+              <a:t>‹#›</a:t>
             </a:fld>
             <a:endParaRPr lang="pt-BR"/>
           </a:p>
@@ -5339,7 +5343,7 @@
           <a:p>
             <a:fld id="{DDD670B3-E2EA-4637-9A35-A3F69C814A4D}" type="datetimeFigureOut">
               <a:rPr lang="pt-BR" smtClean="0"/>
-              <a:t>15/08/2017</a:t>
+              <a:t>17/08/2017</a:t>
             </a:fld>
             <a:endParaRPr lang="pt-BR"/>
           </a:p>
@@ -5381,7 +5385,7 @@
           <a:p>
             <a:fld id="{1589F13C-868A-4860-AF0B-B8654897AF81}" type="slidenum">
               <a:rPr lang="pt-BR" smtClean="0"/>
-              <a:t>‹nº›</a:t>
+              <a:t>‹#›</a:t>
             </a:fld>
             <a:endParaRPr lang="pt-BR"/>
           </a:p>
@@ -5629,7 +5633,7 @@
           <a:p>
             <a:fld id="{DDD670B3-E2EA-4637-9A35-A3F69C814A4D}" type="datetimeFigureOut">
               <a:rPr lang="pt-BR" smtClean="0"/>
-              <a:t>15/08/2017</a:t>
+              <a:t>17/08/2017</a:t>
             </a:fld>
             <a:endParaRPr lang="pt-BR"/>
           </a:p>
@@ -5671,7 +5675,7 @@
           <a:p>
             <a:fld id="{1589F13C-868A-4860-AF0B-B8654897AF81}" type="slidenum">
               <a:rPr lang="pt-BR" smtClean="0"/>
-              <a:t>‹nº›</a:t>
+              <a:t>‹#›</a:t>
             </a:fld>
             <a:endParaRPr lang="pt-BR"/>
           </a:p>
@@ -5905,7 +5909,7 @@
           <a:p>
             <a:fld id="{DDD670B3-E2EA-4637-9A35-A3F69C814A4D}" type="datetimeFigureOut">
               <a:rPr lang="pt-BR" smtClean="0"/>
-              <a:t>15/08/2017</a:t>
+              <a:t>17/08/2017</a:t>
             </a:fld>
             <a:endParaRPr lang="pt-BR"/>
           </a:p>
@@ -5947,7 +5951,7 @@
           <a:p>
             <a:fld id="{1589F13C-868A-4860-AF0B-B8654897AF81}" type="slidenum">
               <a:rPr lang="pt-BR" smtClean="0"/>
-              <a:t>‹nº›</a:t>
+              <a:t>‹#›</a:t>
             </a:fld>
             <a:endParaRPr lang="pt-BR"/>
           </a:p>
@@ -6316,7 +6320,7 @@
           <a:p>
             <a:fld id="{DDD670B3-E2EA-4637-9A35-A3F69C814A4D}" type="datetimeFigureOut">
               <a:rPr lang="pt-BR" smtClean="0"/>
-              <a:t>15/08/2017</a:t>
+              <a:t>17/08/2017</a:t>
             </a:fld>
             <a:endParaRPr lang="pt-BR"/>
           </a:p>
@@ -6358,7 +6362,7 @@
           <a:p>
             <a:fld id="{1589F13C-868A-4860-AF0B-B8654897AF81}" type="slidenum">
               <a:rPr lang="pt-BR" smtClean="0"/>
-              <a:t>‹nº›</a:t>
+              <a:t>‹#›</a:t>
             </a:fld>
             <a:endParaRPr lang="pt-BR"/>
           </a:p>
@@ -6478,7 +6482,7 @@
           <a:p>
             <a:fld id="{DDD670B3-E2EA-4637-9A35-A3F69C814A4D}" type="datetimeFigureOut">
               <a:rPr lang="pt-BR" smtClean="0"/>
-              <a:t>15/08/2017</a:t>
+              <a:t>17/08/2017</a:t>
             </a:fld>
             <a:endParaRPr lang="pt-BR"/>
           </a:p>
@@ -6520,7 +6524,7 @@
           <a:p>
             <a:fld id="{1589F13C-868A-4860-AF0B-B8654897AF81}" type="slidenum">
               <a:rPr lang="pt-BR" smtClean="0"/>
-              <a:t>‹nº›</a:t>
+              <a:t>‹#›</a:t>
             </a:fld>
             <a:endParaRPr lang="pt-BR"/>
           </a:p>
@@ -6617,7 +6621,7 @@
           <a:p>
             <a:fld id="{DDD670B3-E2EA-4637-9A35-A3F69C814A4D}" type="datetimeFigureOut">
               <a:rPr lang="pt-BR" smtClean="0"/>
-              <a:t>15/08/2017</a:t>
+              <a:t>17/08/2017</a:t>
             </a:fld>
             <a:endParaRPr lang="pt-BR"/>
           </a:p>
@@ -6659,7 +6663,7 @@
           <a:p>
             <a:fld id="{1589F13C-868A-4860-AF0B-B8654897AF81}" type="slidenum">
               <a:rPr lang="pt-BR" smtClean="0"/>
-              <a:t>‹nº›</a:t>
+              <a:t>‹#›</a:t>
             </a:fld>
             <a:endParaRPr lang="pt-BR"/>
           </a:p>
@@ -6938,7 +6942,7 @@
           <a:p>
             <a:fld id="{DDD670B3-E2EA-4637-9A35-A3F69C814A4D}" type="datetimeFigureOut">
               <a:rPr lang="pt-BR" smtClean="0"/>
-              <a:t>15/08/2017</a:t>
+              <a:t>17/08/2017</a:t>
             </a:fld>
             <a:endParaRPr lang="pt-BR"/>
           </a:p>
@@ -6980,7 +6984,7 @@
           <a:p>
             <a:fld id="{1589F13C-868A-4860-AF0B-B8654897AF81}" type="slidenum">
               <a:rPr lang="pt-BR" smtClean="0"/>
-              <a:t>‹nº›</a:t>
+              <a:t>‹#›</a:t>
             </a:fld>
             <a:endParaRPr lang="pt-BR"/>
           </a:p>
@@ -7239,7 +7243,7 @@
           <a:p>
             <a:fld id="{DDD670B3-E2EA-4637-9A35-A3F69C814A4D}" type="datetimeFigureOut">
               <a:rPr lang="pt-BR" smtClean="0"/>
-              <a:t>15/08/2017</a:t>
+              <a:t>17/08/2017</a:t>
             </a:fld>
             <a:endParaRPr lang="pt-BR"/>
           </a:p>
@@ -7281,7 +7285,7 @@
           <a:p>
             <a:fld id="{1589F13C-868A-4860-AF0B-B8654897AF81}" type="slidenum">
               <a:rPr lang="pt-BR" smtClean="0"/>
-              <a:t>‹nº›</a:t>
+              <a:t>‹#›</a:t>
             </a:fld>
             <a:endParaRPr lang="pt-BR"/>
           </a:p>
@@ -7496,7 +7500,7 @@
           <a:p>
             <a:fld id="{DDD670B3-E2EA-4637-9A35-A3F69C814A4D}" type="datetimeFigureOut">
               <a:rPr lang="pt-BR" smtClean="0"/>
-              <a:t>15/08/2017</a:t>
+              <a:t>17/08/2017</a:t>
             </a:fld>
             <a:endParaRPr lang="pt-BR"/>
           </a:p>
@@ -7574,7 +7578,7 @@
           <a:p>
             <a:fld id="{1589F13C-868A-4860-AF0B-B8654897AF81}" type="slidenum">
               <a:rPr lang="pt-BR" smtClean="0"/>
-              <a:t>‹nº›</a:t>
+              <a:t>‹#›</a:t>
             </a:fld>
             <a:endParaRPr lang="pt-BR"/>
           </a:p>
@@ -8430,34 +8434,39 @@
           <a:p>
             <a:r>
               <a:rPr lang="pt-BR" dirty="0"/>
-              <a:t>Nome - Engenharia</a:t>
-            </a:r>
-          </a:p>
-          <a:p>
+              <a:t>Guilherme </a:t>
+            </a:r>
+            <a:r>
+              <a:rPr lang="pt-BR" dirty="0" err="1"/>
+              <a:t>Guidi</a:t>
+            </a:r>
             <a:r>
               <a:rPr lang="pt-BR" dirty="0"/>
-              <a:t>Nome - Engenharia</a:t>
+              <a:t> – Engenharia da computação</a:t>
             </a:r>
           </a:p>
           <a:p>
             <a:r>
               <a:rPr lang="pt-BR" dirty="0"/>
-              <a:t>Nome – Engenharia</a:t>
+              <a:t>Leonardo Neves – Engenharia mecânica</a:t>
             </a:r>
           </a:p>
           <a:p>
             <a:r>
               <a:rPr lang="pt-BR" dirty="0"/>
-              <a:t>Nome - Engenharia</a:t>
+              <a:t>Kevin Liu – Engenharia mecatrônica</a:t>
             </a:r>
           </a:p>
           <a:p>
             <a:r>
               <a:rPr lang="pt-BR" dirty="0"/>
-              <a:t>Nome - Engenharia</a:t>
-            </a:r>
-          </a:p>
-          <a:p>
+              <a:t>Vitor Liu – Engenharia mecatrônica</a:t>
+            </a:r>
+          </a:p>
+          <a:p>
+            <a:pPr marL="0" indent="0">
+              <a:buNone/>
+            </a:pPr>
             <a:endParaRPr lang="pt-BR" dirty="0"/>
           </a:p>
         </p:txBody>
@@ -8529,7 +8538,13 @@
           <a:bodyPr/>
           <a:lstStyle/>
           <a:p>
-            <a:endParaRPr lang="pt-BR" dirty="0"/>
+            <a:pPr marL="0" indent="0" algn="ctr">
+              <a:buNone/>
+            </a:pPr>
+            <a:r>
+              <a:rPr lang="pt-BR" dirty="0"/>
+              <a:t>https://github.com/LiuSeeker/CoDesign-projeto-1</a:t>
+            </a:r>
           </a:p>
         </p:txBody>
       </p:sp>
